--- a/ahjeong/Algorithm/studyimage.pptx
+++ b/ahjeong/Algorithm/studyimage.pptx
@@ -104,6 +104,11 @@
       </a:defRPr>
     </a:lvl9pPr>
   </p:defaultTextStyle>
+  <p:extLst>
+    <p:ext uri="{EFAFB233-063F-42B5-8137-9DF3F51BA10A}">
+      <p15:sldGuideLst xmlns:p15="http://schemas.microsoft.com/office/powerpoint/2012/main"/>
+    </p:ext>
+  </p:extLst>
 </p:presentation>
 </file>
 
@@ -256,7 +261,7 @@
           <a:p>
             <a:fld id="{24CBD38C-12C6-D54C-93D2-A77F11FAD417}" type="datetimeFigureOut">
               <a:rPr kumimoji="1" lang="ko-Kore-KR" altLang="en-US" smtClean="0"/>
-              <a:t>2021. 9. 12.</a:t>
+              <a:t>2021. 10. 27.</a:t>
             </a:fld>
             <a:endParaRPr kumimoji="1" lang="ko-Kore-KR" altLang="en-US"/>
           </a:p>
@@ -456,7 +461,7 @@
           <a:p>
             <a:fld id="{24CBD38C-12C6-D54C-93D2-A77F11FAD417}" type="datetimeFigureOut">
               <a:rPr kumimoji="1" lang="ko-Kore-KR" altLang="en-US" smtClean="0"/>
-              <a:t>2021. 9. 12.</a:t>
+              <a:t>2021. 10. 27.</a:t>
             </a:fld>
             <a:endParaRPr kumimoji="1" lang="ko-Kore-KR" altLang="en-US"/>
           </a:p>
@@ -666,7 +671,7 @@
           <a:p>
             <a:fld id="{24CBD38C-12C6-D54C-93D2-A77F11FAD417}" type="datetimeFigureOut">
               <a:rPr kumimoji="1" lang="ko-Kore-KR" altLang="en-US" smtClean="0"/>
-              <a:t>2021. 9. 12.</a:t>
+              <a:t>2021. 10. 27.</a:t>
             </a:fld>
             <a:endParaRPr kumimoji="1" lang="ko-Kore-KR" altLang="en-US"/>
           </a:p>
@@ -866,7 +871,7 @@
           <a:p>
             <a:fld id="{24CBD38C-12C6-D54C-93D2-A77F11FAD417}" type="datetimeFigureOut">
               <a:rPr kumimoji="1" lang="ko-Kore-KR" altLang="en-US" smtClean="0"/>
-              <a:t>2021. 9. 12.</a:t>
+              <a:t>2021. 10. 27.</a:t>
             </a:fld>
             <a:endParaRPr kumimoji="1" lang="ko-Kore-KR" altLang="en-US"/>
           </a:p>
@@ -1142,7 +1147,7 @@
           <a:p>
             <a:fld id="{24CBD38C-12C6-D54C-93D2-A77F11FAD417}" type="datetimeFigureOut">
               <a:rPr kumimoji="1" lang="ko-Kore-KR" altLang="en-US" smtClean="0"/>
-              <a:t>2021. 9. 12.</a:t>
+              <a:t>2021. 10. 27.</a:t>
             </a:fld>
             <a:endParaRPr kumimoji="1" lang="ko-Kore-KR" altLang="en-US"/>
           </a:p>
@@ -1410,7 +1415,7 @@
           <a:p>
             <a:fld id="{24CBD38C-12C6-D54C-93D2-A77F11FAD417}" type="datetimeFigureOut">
               <a:rPr kumimoji="1" lang="ko-Kore-KR" altLang="en-US" smtClean="0"/>
-              <a:t>2021. 9. 12.</a:t>
+              <a:t>2021. 10. 27.</a:t>
             </a:fld>
             <a:endParaRPr kumimoji="1" lang="ko-Kore-KR" altLang="en-US"/>
           </a:p>
@@ -1825,7 +1830,7 @@
           <a:p>
             <a:fld id="{24CBD38C-12C6-D54C-93D2-A77F11FAD417}" type="datetimeFigureOut">
               <a:rPr kumimoji="1" lang="ko-Kore-KR" altLang="en-US" smtClean="0"/>
-              <a:t>2021. 9. 12.</a:t>
+              <a:t>2021. 10. 27.</a:t>
             </a:fld>
             <a:endParaRPr kumimoji="1" lang="ko-Kore-KR" altLang="en-US"/>
           </a:p>
@@ -1967,7 +1972,7 @@
           <a:p>
             <a:fld id="{24CBD38C-12C6-D54C-93D2-A77F11FAD417}" type="datetimeFigureOut">
               <a:rPr kumimoji="1" lang="ko-Kore-KR" altLang="en-US" smtClean="0"/>
-              <a:t>2021. 9. 12.</a:t>
+              <a:t>2021. 10. 27.</a:t>
             </a:fld>
             <a:endParaRPr kumimoji="1" lang="ko-Kore-KR" altLang="en-US"/>
           </a:p>
@@ -2080,7 +2085,7 @@
           <a:p>
             <a:fld id="{24CBD38C-12C6-D54C-93D2-A77F11FAD417}" type="datetimeFigureOut">
               <a:rPr kumimoji="1" lang="ko-Kore-KR" altLang="en-US" smtClean="0"/>
-              <a:t>2021. 9. 12.</a:t>
+              <a:t>2021. 10. 27.</a:t>
             </a:fld>
             <a:endParaRPr kumimoji="1" lang="ko-Kore-KR" altLang="en-US"/>
           </a:p>
@@ -2393,7 +2398,7 @@
           <a:p>
             <a:fld id="{24CBD38C-12C6-D54C-93D2-A77F11FAD417}" type="datetimeFigureOut">
               <a:rPr kumimoji="1" lang="ko-Kore-KR" altLang="en-US" smtClean="0"/>
-              <a:t>2021. 9. 12.</a:t>
+              <a:t>2021. 10. 27.</a:t>
             </a:fld>
             <a:endParaRPr kumimoji="1" lang="ko-Kore-KR" altLang="en-US"/>
           </a:p>
@@ -2682,7 +2687,7 @@
           <a:p>
             <a:fld id="{24CBD38C-12C6-D54C-93D2-A77F11FAD417}" type="datetimeFigureOut">
               <a:rPr kumimoji="1" lang="ko-Kore-KR" altLang="en-US" smtClean="0"/>
-              <a:t>2021. 9. 12.</a:t>
+              <a:t>2021. 10. 27.</a:t>
             </a:fld>
             <a:endParaRPr kumimoji="1" lang="ko-Kore-KR" altLang="en-US"/>
           </a:p>
@@ -2925,7 +2930,7 @@
           <a:p>
             <a:fld id="{24CBD38C-12C6-D54C-93D2-A77F11FAD417}" type="datetimeFigureOut">
               <a:rPr kumimoji="1" lang="ko-Kore-KR" altLang="en-US" smtClean="0"/>
-              <a:t>2021. 9. 12.</a:t>
+              <a:t>2021. 10. 27.</a:t>
             </a:fld>
             <a:endParaRPr kumimoji="1" lang="ko-Kore-KR" altLang="en-US"/>
           </a:p>
@@ -4874,7 +4879,7 @@
         </p:nvGrpSpPr>
         <p:grpSpPr>
           <a:xfrm>
-            <a:off x="2781699" y="330206"/>
+            <a:off x="2793204" y="319443"/>
             <a:ext cx="6605591" cy="2868682"/>
             <a:chOff x="2768999" y="330206"/>
             <a:chExt cx="6605591" cy="2868682"/>
@@ -6212,7 +6217,11 @@
             <a:prstGeom prst="line">
               <a:avLst/>
             </a:prstGeom>
-            <a:ln w="22225"/>
+            <a:ln w="22225">
+              <a:solidFill>
+                <a:srgbClr val="00B050"/>
+              </a:solidFill>
+            </a:ln>
           </p:spPr>
           <p:style>
             <a:lnRef idx="1">
